--- a/chart2/qa/extras/xshape/data/pptx/tdf149204.pptx
+++ b/chart2/qa/extras/xshape/data/pptx/tdf149204.pptx
@@ -142,7 +142,7 @@
                     <a:srgbClr val="FFFFFF"/>
                   </a:solidFill>
                 </a:uFill>
-                <a:latin typeface="Calibri"/>
+                <a:latin typeface="Noto Sans"/>
                 <a:ea typeface="DejaVu Sans"/>
               </a:defRPr>
             </a:pPr>
@@ -156,7 +156,7 @@
                     <a:srgbClr val="FFFFFF"/>
                   </a:solidFill>
                 </a:uFill>
-                <a:latin typeface="Calibri"/>
+                <a:latin typeface="Noto Sans"/>
                 <a:ea typeface="DejaVu Sans"/>
               </a:rPr>
               <a:t>Gráfico de Colunas ou Barras</a:t>
@@ -3437,7 +3437,7 @@
     </a:clrScheme>
     <a:fontScheme name="Office">
       <a:majorFont>
-        <a:latin typeface="Calibri Light" panose="020F0302020204030204"/>
+        <a:latin typeface="Noto Sans" panose="020F0302020204030204"/>
         <a:ea typeface=""/>
         <a:cs typeface=""/>
         <a:font script="Jpan" typeface="ＭＳ Ｐゴシック"/>
@@ -3472,7 +3472,7 @@
         <a:font script="Geor" typeface="Sylfaen"/>
       </a:majorFont>
       <a:minorFont>
-        <a:latin typeface="Calibri" panose="020F0502020204030204"/>
+        <a:latin typeface="Noto Sans" panose="020F0502020204030204"/>
         <a:ea typeface=""/>
         <a:cs typeface=""/>
         <a:font script="Jpan" typeface="ＭＳ Ｐゴシック"/>
